--- a/Presentation/2 - LBG-AVDBicep-Build Day 1.pptx
+++ b/Presentation/2 - LBG-AVDBicep-Build Day 1.pptx
@@ -249,7 +249,7 @@
               <a:rPr lang="en-US" smtClean="0">
                 <a:latin typeface="Segoe UI" pitchFamily="34" charset="0"/>
               </a:rPr>
-              <a:t>11/3/2023 7:11 AM</a:t>
+              <a:t>11/7/2023 8:57 AM</a:t>
             </a:fld>
             <a:endParaRPr lang="en-US" dirty="0">
               <a:latin typeface="Segoe UI" pitchFamily="34" charset="0"/>
@@ -527,7 +527,7 @@
           <a:p>
             <a:fld id="{386CE63F-9E7F-4C04-9D0D-FCA25A8E9E86}" type="datetime8">
               <a:rPr lang="en-US" smtClean="0"/>
-              <a:t>11/3/2023 7:09 AM</a:t>
+              <a:t>11/7/2023 8:57 AM</a:t>
             </a:fld>
             <a:endParaRPr lang="en-US" dirty="0"/>
           </a:p>
@@ -894,7 +894,7 @@
           <a:p>
             <a:fld id="{62C61DAB-D93E-49CA-B245-379601CFE8D0}" type="datetime8">
               <a:rPr lang="en-US" smtClean="0"/>
-              <a:t>11/3/2023 7:09 AM</a:t>
+              <a:t>11/7/2023 8:57 AM</a:t>
             </a:fld>
             <a:endParaRPr lang="en-US" dirty="0"/>
           </a:p>
@@ -1059,7 +1059,7 @@
           <a:p>
             <a:fld id="{62C61DAB-D93E-49CA-B245-379601CFE8D0}" type="datetime8">
               <a:rPr lang="en-US" smtClean="0"/>
-              <a:t>11/3/2023 7:09 AM</a:t>
+              <a:t>11/7/2023 8:57 AM</a:t>
             </a:fld>
             <a:endParaRPr lang="en-US" dirty="0"/>
           </a:p>
@@ -55531,7 +55531,12 @@
             <p:ph type="body" sz="quarter" idx="12"/>
           </p:nvPr>
         </p:nvSpPr>
-        <p:spPr/>
+        <p:spPr>
+          <a:xfrm>
+            <a:off x="584200" y="3962400"/>
+            <a:ext cx="9810102" cy="338554"/>
+          </a:xfrm>
+        </p:spPr>
         <p:txBody>
           <a:bodyPr/>
           <a:lstStyle/>
@@ -55573,6 +55578,110 @@
           </a:prstGeom>
         </p:spPr>
       </p:pic>
+      <p:sp>
+        <p:nvSpPr>
+          <p:cNvPr id="2" name="TextBox 1">
+            <a:extLst>
+              <a:ext uri="{FF2B5EF4-FFF2-40B4-BE49-F238E27FC236}">
+                <a16:creationId xmlns:a16="http://schemas.microsoft.com/office/drawing/2014/main" id="{A28CC24A-C45D-1D81-B0DF-767E25132ACA}"/>
+              </a:ext>
+            </a:extLst>
+          </p:cNvPr>
+          <p:cNvSpPr txBox="1"/>
+          <p:nvPr/>
+        </p:nvSpPr>
+        <p:spPr>
+          <a:xfrm>
+            <a:off x="2761862" y="95895"/>
+            <a:ext cx="9218645" cy="2339102"/>
+          </a:xfrm>
+          <a:prstGeom prst="rect">
+            <a:avLst/>
+          </a:prstGeom>
+          <a:solidFill>
+            <a:srgbClr val="F2F2F2">
+              <a:alpha val="74902"/>
+            </a:srgbClr>
+          </a:solidFill>
+        </p:spPr>
+        <p:txBody>
+          <a:bodyPr wrap="square" lIns="0" tIns="0" rIns="0" bIns="0" rtlCol="0">
+            <a:spAutoFit/>
+          </a:bodyPr>
+          <a:lstStyle/>
+          <a:p>
+            <a:r>
+              <a:rPr lang="en-US" sz="2400" b="1" dirty="0"/>
+              <a:t>START: 09:30</a:t>
+            </a:r>
+          </a:p>
+          <a:p>
+            <a:endParaRPr lang="en-US" sz="1800" dirty="0"/>
+          </a:p>
+          <a:p>
+            <a:r>
+              <a:rPr lang="en-US" sz="1800" dirty="0"/>
+              <a:t>AVD Web Client (if required): </a:t>
+            </a:r>
+            <a:r>
+              <a:rPr lang="en-US" sz="1800" dirty="0">
+                <a:hlinkClick r:id="rId5"/>
+              </a:rPr>
+              <a:t>https://client.wvd.microsoft.com/arm/webclient/index.html</a:t>
+            </a:r>
+            <a:r>
+              <a:rPr lang="en-US" sz="1800" dirty="0"/>
+              <a:t> </a:t>
+            </a:r>
+          </a:p>
+          <a:p>
+            <a:r>
+              <a:rPr lang="en-US" sz="1800" dirty="0"/>
+              <a:t>Git repo: </a:t>
+            </a:r>
+            <a:r>
+              <a:rPr lang="en-GB" sz="1800" dirty="0">
+                <a:hlinkClick r:id="rId6" tooltip="https://github.com/mikerossms/avd-bicep-workshop-lbg.git"/>
+              </a:rPr>
+              <a:t>https://github.com/mikerossms/AVD-Bicep-Workshop-LBG.git</a:t>
+            </a:r>
+            <a:endParaRPr lang="en-US" sz="1800" dirty="0"/>
+          </a:p>
+          <a:p>
+            <a:r>
+              <a:rPr lang="en-US" sz="1800" dirty="0"/>
+              <a:t>John Saville: </a:t>
+            </a:r>
+            <a:r>
+              <a:rPr lang="en-GB" sz="1800" dirty="0">
+                <a:hlinkClick r:id="rId7" tooltip="https://www.youtube.com/channel/ucpin7ox7j7bh_ofj7tyouoq"/>
+              </a:rPr>
+              <a:t>https://www.youtube.com/channel/UCpIn7ox7j7bH_OFj7tYouOQ</a:t>
+            </a:r>
+            <a:endParaRPr lang="en-US" sz="1800" dirty="0"/>
+          </a:p>
+          <a:p>
+            <a:r>
+              <a:rPr lang="en-US" sz="1800" dirty="0"/>
+              <a:t>Resource abbreviations: </a:t>
+            </a:r>
+            <a:r>
+              <a:rPr lang="en-US" sz="1800" dirty="0">
+                <a:hlinkClick r:id="rId8"/>
+              </a:rPr>
+              <a:t>https://learn.microsoft.com/en-us/azure/cloud-adoption-framework/ready/azure-best-practices/resource-abbreviations</a:t>
+            </a:r>
+            <a:r>
+              <a:rPr lang="en-US" sz="1800" dirty="0"/>
+              <a:t> </a:t>
+            </a:r>
+          </a:p>
+          <a:p>
+            <a:pPr algn="l"/>
+            <a:endParaRPr lang="en-GB" sz="2000" dirty="0" err="1"/>
+          </a:p>
+        </p:txBody>
+      </p:sp>
     </p:spTree>
     <p:extLst>
       <p:ext uri="{BB962C8B-B14F-4D97-AF65-F5344CB8AC3E}">
@@ -58466,25 +58575,6 @@
 </file>
 
 <file path=customXml/item1.xml><?xml version="1.0" encoding="utf-8"?>
-<p:properties xmlns:p="http://schemas.microsoft.com/office/2006/metadata/properties" xmlns:xsi="http://www.w3.org/2001/XMLSchema-instance" xmlns:pc="http://schemas.microsoft.com/office/infopath/2007/PartnerControls">
-  <documentManagement>
-    <_ip_UnifiedCompliancePolicyUIAction xmlns="http://schemas.microsoft.com/sharepoint/v3" xsi:nil="true"/>
-    <MediaServiceKeyPoints xmlns="492b655a-ec86-4731-b25e-ce4ddeb8f50a" xsi:nil="true"/>
-    <_ip_UnifiedCompliancePolicyProperties xmlns="http://schemas.microsoft.com/sharepoint/v3" xsi:nil="true"/>
-  </documentManagement>
-</p:properties>
-</file>
-
-<file path=customXml/item2.xml><?xml version="1.0" encoding="utf-8"?>
-<?mso-contentType ?>
-<FormTemplates xmlns="http://schemas.microsoft.com/sharepoint/v3/contenttype/forms">
-  <Display>DocumentLibraryForm</Display>
-  <Edit>DocumentLibraryForm</Edit>
-  <New>DocumentLibraryForm</New>
-</FormTemplates>
-</file>
-
-<file path=customXml/item3.xml><?xml version="1.0" encoding="utf-8"?>
 <ct:contentTypeSchema xmlns:ct="http://schemas.microsoft.com/office/2006/metadata/contentType" xmlns:ma="http://schemas.microsoft.com/office/2006/metadata/properties/metaAttributes" ct:_="" ma:_="" ma:contentTypeName="Document" ma:contentTypeID="0x0101001A14B0F575CA0844802D129D294118DE" ma:contentTypeVersion="15" ma:contentTypeDescription="Create a new document." ma:contentTypeScope="" ma:versionID="ddeb9392fca9bbc19e06b6db1f4d7da5">
   <xsd:schema xmlns:xsd="http://www.w3.org/2001/XMLSchema" xmlns:xs="http://www.w3.org/2001/XMLSchema" xmlns:p="http://schemas.microsoft.com/office/2006/metadata/properties" xmlns:ns1="http://schemas.microsoft.com/sharepoint/v3" xmlns:ns2="492b655a-ec86-4731-b25e-ce4ddeb8f50a" xmlns:ns3="3a08ec24-c134-4431-b5bd-1238984bf104" targetNamespace="http://schemas.microsoft.com/office/2006/metadata/properties" ma:root="true" ma:fieldsID="b4aac29b193bd248a2c97bf3d1b392e3" ns1:_="" ns2:_="" ns3:_="">
     <xsd:import namespace="http://schemas.microsoft.com/sharepoint/v3"/>
@@ -58724,26 +58814,26 @@
 </ct:contentTypeSchema>
 </file>
 
-<file path=customXml/itemProps1.xml><?xml version="1.0" encoding="utf-8"?>
-<ds:datastoreItem xmlns:ds="http://schemas.openxmlformats.org/officeDocument/2006/customXml" ds:itemID="{561B1131-15CA-429C-B875-56F79CD6C674}">
-  <ds:schemaRefs>
-    <ds:schemaRef ds:uri="http://schemas.microsoft.com/office/2006/metadata/properties"/>
-    <ds:schemaRef ds:uri="http://schemas.microsoft.com/office/infopath/2007/PartnerControls"/>
-    <ds:schemaRef ds:uri="http://schemas.microsoft.com/sharepoint/v3"/>
-    <ds:schemaRef ds:uri="492b655a-ec86-4731-b25e-ce4ddeb8f50a"/>
-  </ds:schemaRefs>
-</ds:datastoreItem>
+<file path=customXml/item2.xml><?xml version="1.0" encoding="utf-8"?>
+<?mso-contentType ?>
+<FormTemplates xmlns="http://schemas.microsoft.com/sharepoint/v3/contenttype/forms">
+  <Display>DocumentLibraryForm</Display>
+  <Edit>DocumentLibraryForm</Edit>
+  <New>DocumentLibraryForm</New>
+</FormTemplates>
 </file>
 
-<file path=customXml/itemProps2.xml><?xml version="1.0" encoding="utf-8"?>
-<ds:datastoreItem xmlns:ds="http://schemas.openxmlformats.org/officeDocument/2006/customXml" ds:itemID="{80773F8E-CD3C-401D-81D0-68F54DCC798C}">
-  <ds:schemaRefs>
-    <ds:schemaRef ds:uri="http://schemas.microsoft.com/sharepoint/v3/contenttype/forms"/>
-  </ds:schemaRefs>
-</ds:datastoreItem>
+<file path=customXml/item3.xml><?xml version="1.0" encoding="utf-8"?>
+<p:properties xmlns:p="http://schemas.microsoft.com/office/2006/metadata/properties" xmlns:xsi="http://www.w3.org/2001/XMLSchema-instance" xmlns:pc="http://schemas.microsoft.com/office/infopath/2007/PartnerControls">
+  <documentManagement>
+    <_ip_UnifiedCompliancePolicyUIAction xmlns="http://schemas.microsoft.com/sharepoint/v3" xsi:nil="true"/>
+    <MediaServiceKeyPoints xmlns="492b655a-ec86-4731-b25e-ce4ddeb8f50a" xsi:nil="true"/>
+    <_ip_UnifiedCompliancePolicyProperties xmlns="http://schemas.microsoft.com/sharepoint/v3" xsi:nil="true"/>
+  </documentManagement>
+</p:properties>
 </file>
 
-<file path=customXml/itemProps3.xml><?xml version="1.0" encoding="utf-8"?>
+<file path=customXml/itemProps1.xml><?xml version="1.0" encoding="utf-8"?>
 <ds:datastoreItem xmlns:ds="http://schemas.openxmlformats.org/officeDocument/2006/customXml" ds:itemID="{811472DD-CE71-40EB-A555-2657937A0462}">
   <ds:schemaRefs>
     <ds:schemaRef ds:uri="http://schemas.microsoft.com/office/2006/metadata/contentType"/>
@@ -58763,6 +58853,25 @@
 </ds:datastoreItem>
 </file>
 
+<file path=customXml/itemProps2.xml><?xml version="1.0" encoding="utf-8"?>
+<ds:datastoreItem xmlns:ds="http://schemas.openxmlformats.org/officeDocument/2006/customXml" ds:itemID="{80773F8E-CD3C-401D-81D0-68F54DCC798C}">
+  <ds:schemaRefs>
+    <ds:schemaRef ds:uri="http://schemas.microsoft.com/sharepoint/v3/contenttype/forms"/>
+  </ds:schemaRefs>
+</ds:datastoreItem>
+</file>
+
+<file path=customXml/itemProps3.xml><?xml version="1.0" encoding="utf-8"?>
+<ds:datastoreItem xmlns:ds="http://schemas.openxmlformats.org/officeDocument/2006/customXml" ds:itemID="{561B1131-15CA-429C-B875-56F79CD6C674}">
+  <ds:schemaRefs>
+    <ds:schemaRef ds:uri="http://schemas.microsoft.com/office/2006/metadata/properties"/>
+    <ds:schemaRef ds:uri="http://schemas.microsoft.com/office/infopath/2007/PartnerControls"/>
+    <ds:schemaRef ds:uri="http://schemas.microsoft.com/sharepoint/v3"/>
+    <ds:schemaRef ds:uri="492b655a-ec86-4731-b25e-ce4ddeb8f50a"/>
+  </ds:schemaRefs>
+</ds:datastoreItem>
+</file>
+
 <file path=docMetadata/LabelInfo.xml><?xml version="1.0" encoding="utf-8"?>
 <clbl:labelList xmlns:clbl="http://schemas.microsoft.com/office/2020/mipLabelMetadata">
   <clbl:label id="{f42aa342-8706-4288-bd11-ebb85995028c}" enabled="1" method="Standard" siteId="{72f988bf-86f1-41af-91ab-2d7cd011db47}" contentBits="0" removed="0"/>
